--- a/Doc/questions_lean_11_05.pptx
+++ b/Doc/questions_lean_11_05.pptx
@@ -8,7 +8,8 @@
     <p:sldId id="256" r:id="rId2"/>
     <p:sldId id="257" r:id="rId3"/>
     <p:sldId id="258" r:id="rId4"/>
-    <p:sldId id="259" r:id="rId5"/>
+    <p:sldId id="260" r:id="rId5"/>
+    <p:sldId id="259" r:id="rId6"/>
   </p:sldIdLst>
   <p:sldSz cx="12192000" cy="6858000"/>
   <p:notesSz cx="6858000" cy="9144000"/>
@@ -107,6 +108,11 @@
       </a:defRPr>
     </a:lvl9pPr>
   </p:defaultTextStyle>
+  <p:extLst>
+    <p:ext uri="{EFAFB233-063F-42B5-8137-9DF3F51BA10A}">
+      <p15:sldGuideLst xmlns:p15="http://schemas.microsoft.com/office/powerpoint/2012/main"/>
+    </p:ext>
+  </p:extLst>
 </p:presentation>
 </file>
 
@@ -3616,6 +3622,123 @@
           <p:cNvPr id="2" name="Title 1">
             <a:extLst>
               <a:ext uri="{FF2B5EF4-FFF2-40B4-BE49-F238E27FC236}">
+                <a16:creationId xmlns:a16="http://schemas.microsoft.com/office/drawing/2014/main" id="{C8004896-4696-2A4C-9E2F-6360DFC8346C}"/>
+              </a:ext>
+            </a:extLst>
+          </p:cNvPr>
+          <p:cNvSpPr>
+            <a:spLocks noGrp="1"/>
+          </p:cNvSpPr>
+          <p:nvPr>
+            <p:ph type="title"/>
+          </p:nvPr>
+        </p:nvSpPr>
+        <p:spPr/>
+        <p:txBody>
+          <a:bodyPr/>
+          <a:lstStyle/>
+          <a:p>
+            <a:r>
+              <a:rPr lang="en-US" dirty="0"/>
+              <a:t>ROC curves  - down sampling negative </a:t>
+            </a:r>
+          </a:p>
+        </p:txBody>
+      </p:sp>
+      <p:pic>
+        <p:nvPicPr>
+          <p:cNvPr id="5" name="Content Placeholder 4" descr="A close up of a map&#10;&#10;Description automatically generated">
+            <a:extLst>
+              <a:ext uri="{FF2B5EF4-FFF2-40B4-BE49-F238E27FC236}">
+                <a16:creationId xmlns:a16="http://schemas.microsoft.com/office/drawing/2014/main" id="{02A64431-2570-E84E-8F24-BEECDB11DE71}"/>
+              </a:ext>
+            </a:extLst>
+          </p:cNvPr>
+          <p:cNvPicPr>
+            <a:picLocks noGrp="1" noChangeAspect="1"/>
+          </p:cNvPicPr>
+          <p:nvPr>
+            <p:ph idx="1"/>
+          </p:nvPr>
+        </p:nvPicPr>
+        <p:blipFill>
+          <a:blip r:embed="rId2"/>
+          <a:stretch>
+            <a:fillRect/>
+          </a:stretch>
+        </p:blipFill>
+        <p:spPr>
+          <a:xfrm>
+            <a:off x="448419" y="1690688"/>
+            <a:ext cx="6351688" cy="4351338"/>
+          </a:xfrm>
+        </p:spPr>
+      </p:pic>
+      <p:pic>
+        <p:nvPicPr>
+          <p:cNvPr id="7" name="Picture 6" descr="A picture containing knife&#10;&#10;Description automatically generated">
+            <a:extLst>
+              <a:ext uri="{FF2B5EF4-FFF2-40B4-BE49-F238E27FC236}">
+                <a16:creationId xmlns:a16="http://schemas.microsoft.com/office/drawing/2014/main" id="{54625B93-06EA-D146-972D-83353FB4D853}"/>
+              </a:ext>
+            </a:extLst>
+          </p:cNvPr>
+          <p:cNvPicPr>
+            <a:picLocks noChangeAspect="1"/>
+          </p:cNvPicPr>
+          <p:nvPr/>
+        </p:nvPicPr>
+        <p:blipFill>
+          <a:blip r:embed="rId3"/>
+          <a:stretch>
+            <a:fillRect/>
+          </a:stretch>
+        </p:blipFill>
+        <p:spPr>
+          <a:xfrm>
+            <a:off x="7283450" y="2418557"/>
+            <a:ext cx="4711700" cy="1447800"/>
+          </a:xfrm>
+          <a:prstGeom prst="rect">
+            <a:avLst/>
+          </a:prstGeom>
+        </p:spPr>
+      </p:pic>
+    </p:spTree>
+    <p:extLst>
+      <p:ext uri="{BB962C8B-B14F-4D97-AF65-F5344CB8AC3E}">
+        <p14:creationId xmlns:p14="http://schemas.microsoft.com/office/powerpoint/2010/main" val="594052943"/>
+      </p:ext>
+    </p:extLst>
+  </p:cSld>
+  <p:clrMapOvr>
+    <a:masterClrMapping/>
+  </p:clrMapOvr>
+</p:sld>
+</file>
+
+<file path=ppt/slides/slide5.xml><?xml version="1.0" encoding="utf-8"?>
+<p:sld xmlns:a="http://schemas.openxmlformats.org/drawingml/2006/main" xmlns:r="http://schemas.openxmlformats.org/officeDocument/2006/relationships" xmlns:p="http://schemas.openxmlformats.org/presentationml/2006/main">
+  <p:cSld>
+    <p:spTree>
+      <p:nvGrpSpPr>
+        <p:cNvPr id="1" name=""/>
+        <p:cNvGrpSpPr/>
+        <p:nvPr/>
+      </p:nvGrpSpPr>
+      <p:grpSpPr>
+        <a:xfrm>
+          <a:off x="0" y="0"/>
+          <a:ext cx="0" cy="0"/>
+          <a:chOff x="0" y="0"/>
+          <a:chExt cx="0" cy="0"/>
+        </a:xfrm>
+      </p:grpSpPr>
+      <p:sp>
+        <p:nvSpPr>
+          <p:cNvPr id="2" name="Title 1">
+            <a:extLst>
+              <a:ext uri="{FF2B5EF4-FFF2-40B4-BE49-F238E27FC236}">
                 <a16:creationId xmlns:a16="http://schemas.microsoft.com/office/drawing/2014/main" id="{571939F0-BF79-DD41-B1AB-07582A286053}"/>
               </a:ext>
             </a:extLst>
@@ -3646,136 +3769,20 @@
       </p:sp>
       <p:sp>
         <p:nvSpPr>
-          <p:cNvPr id="3" name="Content Placeholder 2">
-            <a:extLst>
-              <a:ext uri="{FF2B5EF4-FFF2-40B4-BE49-F238E27FC236}">
-                <a16:creationId xmlns:a16="http://schemas.microsoft.com/office/drawing/2014/main" id="{EB618EC9-54E6-074E-9CB8-EF6062EBA59E}"/>
-              </a:ext>
-            </a:extLst>
-          </p:cNvPr>
-          <p:cNvSpPr>
-            <a:spLocks noGrp="1"/>
-          </p:cNvSpPr>
-          <p:nvPr>
-            <p:ph idx="1"/>
-          </p:nvPr>
+          <p:cNvPr id="4" name="TextBox 3">
+            <a:extLst>
+              <a:ext uri="{FF2B5EF4-FFF2-40B4-BE49-F238E27FC236}">
+                <a16:creationId xmlns:a16="http://schemas.microsoft.com/office/drawing/2014/main" id="{6E3A3097-A861-6F41-AA16-048B683D828A}"/>
+              </a:ext>
+            </a:extLst>
+          </p:cNvPr>
+          <p:cNvSpPr txBox="1"/>
+          <p:nvPr/>
         </p:nvSpPr>
         <p:spPr>
           <a:xfrm>
-            <a:off x="838200" y="500743"/>
-            <a:ext cx="10515600" cy="1414802"/>
-          </a:xfrm>
-        </p:spPr>
-        <p:txBody>
-          <a:bodyPr>
-            <a:normAutofit/>
-          </a:bodyPr>
-          <a:lstStyle/>
-          <a:p>
-            <a:pPr marL="0" indent="0">
-              <a:buNone/>
-            </a:pPr>
-            <a:r>
-              <a:rPr lang="en-US" sz="1800" b="1" dirty="0"/>
-              <a:t>Roc : </a:t>
-            </a:r>
-          </a:p>
-          <a:p>
-            <a:r>
-              <a:rPr lang="en-US" sz="1600" dirty="0" err="1"/>
-              <a:t>pred</a:t>
-            </a:r>
-            <a:r>
-              <a:rPr lang="en-US" sz="1600" dirty="0"/>
-              <a:t> &lt;- prediction(</a:t>
-            </a:r>
-            <a:r>
-              <a:rPr lang="en-US" sz="1600" dirty="0" err="1"/>
-              <a:t>X_selected$allele_frequency</a:t>
-            </a:r>
-            <a:r>
-              <a:rPr lang="en-US" sz="1600" dirty="0"/>
-              <a:t>, </a:t>
-            </a:r>
-            <a:r>
-              <a:rPr lang="en-US" sz="1600" dirty="0" err="1"/>
-              <a:t>X_selected$label</a:t>
-            </a:r>
-            <a:r>
-              <a:rPr lang="en-US" sz="1600" dirty="0"/>
-              <a:t>)</a:t>
-            </a:r>
-          </a:p>
-          <a:p>
-            <a:r>
-              <a:rPr lang="en-US" sz="1600" dirty="0"/>
-              <a:t>perf &lt;- performance(</a:t>
-            </a:r>
-            <a:r>
-              <a:rPr lang="en-US" sz="1600" dirty="0" err="1"/>
-              <a:t>pred</a:t>
-            </a:r>
-            <a:r>
-              <a:rPr lang="en-US" sz="1600" dirty="0"/>
-              <a:t>,"</a:t>
-            </a:r>
-            <a:r>
-              <a:rPr lang="en-US" sz="1600" dirty="0" err="1"/>
-              <a:t>tpr</a:t>
-            </a:r>
-            <a:r>
-              <a:rPr lang="en-US" sz="1600" dirty="0"/>
-              <a:t>","</a:t>
-            </a:r>
-            <a:r>
-              <a:rPr lang="en-US" sz="1600" dirty="0" err="1"/>
-              <a:t>fpr</a:t>
-            </a:r>
-            <a:r>
-              <a:rPr lang="en-US" sz="1600" dirty="0"/>
-              <a:t>")</a:t>
-            </a:r>
-          </a:p>
-          <a:p>
-            <a:r>
-              <a:rPr lang="en-US" sz="1600" dirty="0"/>
-              <a:t>plot(</a:t>
-            </a:r>
-            <a:r>
-              <a:rPr lang="en-US" sz="1600" dirty="0" err="1"/>
-              <a:t>perf,colorize</a:t>
-            </a:r>
-            <a:r>
-              <a:rPr lang="en-US" sz="1600" dirty="0"/>
-              <a:t>=TRUE, main = "</a:t>
-            </a:r>
-            <a:r>
-              <a:rPr lang="en-US" sz="1600" dirty="0" err="1"/>
-              <a:t>allele_frequency</a:t>
-            </a:r>
-            <a:r>
-              <a:rPr lang="en-US" sz="1600" dirty="0"/>
-              <a:t>")</a:t>
-            </a:r>
-          </a:p>
-        </p:txBody>
-      </p:sp>
-      <p:sp>
-        <p:nvSpPr>
-          <p:cNvPr id="4" name="TextBox 3">
-            <a:extLst>
-              <a:ext uri="{FF2B5EF4-FFF2-40B4-BE49-F238E27FC236}">
-                <a16:creationId xmlns:a16="http://schemas.microsoft.com/office/drawing/2014/main" id="{6E3A3097-A861-6F41-AA16-048B683D828A}"/>
-              </a:ext>
-            </a:extLst>
-          </p:cNvPr>
-          <p:cNvSpPr txBox="1"/>
-          <p:nvPr/>
-        </p:nvSpPr>
-        <p:spPr>
-          <a:xfrm>
-            <a:off x="838200" y="1841242"/>
-            <a:ext cx="9286875" cy="5016758"/>
+            <a:off x="606198" y="628233"/>
+            <a:ext cx="9286875" cy="5601533"/>
           </a:xfrm>
           <a:prstGeom prst="rect">
             <a:avLst/>
@@ -3789,287 +3796,287 @@
           <a:lstStyle/>
           <a:p>
             <a:r>
-              <a:rPr lang="en-US" sz="1600" b="1" dirty="0"/>
+              <a:rPr lang="en-US" b="1" dirty="0"/>
               <a:t>Leave one out</a:t>
             </a:r>
           </a:p>
           <a:p>
             <a:r>
-              <a:rPr lang="en-US" sz="1600" dirty="0" err="1"/>
+              <a:rPr lang="en-US" dirty="0" err="1"/>
               <a:t>Error_LogReg_merge</a:t>
             </a:r>
             <a:r>
-              <a:rPr lang="en-US" sz="1600" dirty="0"/>
+              <a:rPr lang="en-US" dirty="0"/>
               <a:t> = rep(NA, times=N)</a:t>
             </a:r>
           </a:p>
           <a:p>
             <a:r>
-              <a:rPr lang="en-US" sz="1600" dirty="0"/>
+              <a:rPr lang="en-US" dirty="0"/>
               <a:t>for(k in 1:N){</a:t>
             </a:r>
           </a:p>
           <a:p>
             <a:r>
-              <a:rPr lang="en-US" sz="1600" dirty="0"/>
+              <a:rPr lang="en-US" dirty="0"/>
               <a:t>    print(paste('Leave one out number: ', k, '/', N, </a:t>
             </a:r>
             <a:r>
-              <a:rPr lang="en-US" sz="1600" dirty="0" err="1"/>
+              <a:rPr lang="en-US" dirty="0" err="1"/>
               <a:t>sep</a:t>
             </a:r>
             <a:r>
-              <a:rPr lang="en-US" sz="1600" dirty="0"/>
+              <a:rPr lang="en-US" dirty="0"/>
               <a:t>=''));</a:t>
             </a:r>
           </a:p>
           <a:p>
             <a:r>
-              <a:rPr lang="en-US" sz="1600" dirty="0"/>
+              <a:rPr lang="en-US" dirty="0"/>
               <a:t>    # Extract the training and test set</a:t>
             </a:r>
           </a:p>
           <a:p>
             <a:r>
-              <a:rPr lang="en-US" sz="1600" dirty="0"/>
+              <a:rPr lang="en-US" dirty="0"/>
               <a:t>    </a:t>
             </a:r>
             <a:r>
-              <a:rPr lang="en-US" sz="1600" dirty="0" err="1"/>
+              <a:rPr lang="en-US" dirty="0" err="1"/>
               <a:t>X_train</a:t>
             </a:r>
             <a:r>
-              <a:rPr lang="en-US" sz="1600" dirty="0"/>
+              <a:rPr lang="en-US" dirty="0"/>
               <a:t> &lt;- </a:t>
             </a:r>
             <a:r>
-              <a:rPr lang="en-US" sz="1600" dirty="0" err="1"/>
+              <a:rPr lang="en-US" dirty="0" err="1"/>
               <a:t>X_selected</a:t>
             </a:r>
             <a:r>
-              <a:rPr lang="en-US" sz="1600" dirty="0"/>
+              <a:rPr lang="en-US" dirty="0"/>
               <a:t>[-k,]</a:t>
             </a:r>
           </a:p>
           <a:p>
             <a:r>
-              <a:rPr lang="en-US" sz="1600" dirty="0"/>
+              <a:rPr lang="en-US" dirty="0"/>
               <a:t>    </a:t>
             </a:r>
             <a:r>
-              <a:rPr lang="en-US" sz="1600" dirty="0" err="1"/>
+              <a:rPr lang="en-US" dirty="0" err="1"/>
               <a:t>y_train</a:t>
             </a:r>
             <a:r>
-              <a:rPr lang="en-US" sz="1600" dirty="0"/>
+              <a:rPr lang="en-US" dirty="0"/>
               <a:t> &lt;- y[-k] </a:t>
             </a:r>
           </a:p>
           <a:p>
             <a:r>
-              <a:rPr lang="en-US" sz="1600" dirty="0"/>
+              <a:rPr lang="en-US" dirty="0"/>
               <a:t>    </a:t>
             </a:r>
             <a:r>
-              <a:rPr lang="en-US" sz="1600" dirty="0" err="1"/>
+              <a:rPr lang="en-US" dirty="0" err="1"/>
               <a:t>X_test</a:t>
             </a:r>
             <a:r>
-              <a:rPr lang="en-US" sz="1600" dirty="0"/>
+              <a:rPr lang="en-US" dirty="0"/>
               <a:t> &lt;-   </a:t>
             </a:r>
             <a:r>
-              <a:rPr lang="en-US" sz="1600" dirty="0" err="1"/>
+              <a:rPr lang="en-US" dirty="0" err="1"/>
               <a:t>X_selected</a:t>
             </a:r>
             <a:r>
-              <a:rPr lang="en-US" sz="1600" dirty="0"/>
+              <a:rPr lang="en-US" dirty="0"/>
               <a:t>[k,]</a:t>
             </a:r>
           </a:p>
           <a:p>
             <a:r>
-              <a:rPr lang="en-US" sz="1600" dirty="0"/>
+              <a:rPr lang="en-US" dirty="0"/>
               <a:t>    </a:t>
             </a:r>
             <a:r>
-              <a:rPr lang="en-US" sz="1600" dirty="0" err="1"/>
+              <a:rPr lang="en-US" dirty="0" err="1"/>
               <a:t>y_test</a:t>
             </a:r>
             <a:r>
-              <a:rPr lang="en-US" sz="1600" dirty="0"/>
+              <a:rPr lang="en-US" dirty="0"/>
               <a:t> &lt;- y[k] </a:t>
             </a:r>
           </a:p>
           <a:p>
             <a:r>
-              <a:rPr lang="en-US" sz="1600" dirty="0"/>
+              <a:rPr lang="en-US" dirty="0"/>
               <a:t>    </a:t>
             </a:r>
           </a:p>
           <a:p>
             <a:r>
-              <a:rPr lang="en-US" sz="1600" dirty="0"/>
+              <a:rPr lang="en-US" dirty="0"/>
               <a:t>    (</a:t>
             </a:r>
             <a:r>
-              <a:rPr lang="en-US" sz="1600" dirty="0" err="1"/>
+              <a:rPr lang="en-US" dirty="0" err="1"/>
               <a:t>fmla</a:t>
             </a:r>
             <a:r>
-              <a:rPr lang="en-US" sz="1600" dirty="0"/>
+              <a:rPr lang="en-US" dirty="0"/>
               <a:t> &lt;- </a:t>
             </a:r>
             <a:r>
-              <a:rPr lang="en-US" sz="1600" dirty="0" err="1"/>
+              <a:rPr lang="en-US" dirty="0" err="1"/>
               <a:t>as.formula</a:t>
             </a:r>
             <a:r>
-              <a:rPr lang="en-US" sz="1600" dirty="0"/>
+              <a:rPr lang="en-US" dirty="0"/>
               <a:t>(paste("</a:t>
             </a:r>
             <a:r>
-              <a:rPr lang="en-US" sz="1600" dirty="0" err="1"/>
+              <a:rPr lang="en-US" dirty="0" err="1"/>
               <a:t>y_train</a:t>
             </a:r>
             <a:r>
-              <a:rPr lang="en-US" sz="1600" dirty="0"/>
+              <a:rPr lang="en-US" dirty="0"/>
               <a:t> ~ ", paste(</a:t>
             </a:r>
             <a:r>
-              <a:rPr lang="en-US" sz="1600" dirty="0" err="1"/>
+              <a:rPr lang="en-US" dirty="0" err="1"/>
               <a:t>attributeNames</a:t>
             </a:r>
             <a:r>
-              <a:rPr lang="en-US" sz="1600" dirty="0"/>
+              <a:rPr lang="en-US" dirty="0"/>
               <a:t>, collapse= "+"))))</a:t>
             </a:r>
           </a:p>
           <a:p>
             <a:r>
-              <a:rPr lang="en-US" sz="1600" dirty="0"/>
+              <a:rPr lang="en-US" dirty="0"/>
               <a:t>   </a:t>
             </a:r>
           </a:p>
           <a:p>
             <a:r>
-              <a:rPr lang="en-US" sz="1600" dirty="0"/>
+              <a:rPr lang="en-US" dirty="0"/>
               <a:t>     # Fit logistic regression model to predict the response</a:t>
             </a:r>
           </a:p>
           <a:p>
             <a:r>
-              <a:rPr lang="en-US" sz="1600" dirty="0"/>
+              <a:rPr lang="en-US" dirty="0"/>
               <a:t>    model = </a:t>
             </a:r>
             <a:r>
-              <a:rPr lang="en-US" sz="1600" dirty="0" err="1"/>
+              <a:rPr lang="en-US" dirty="0" err="1"/>
               <a:t>glm</a:t>
             </a:r>
             <a:r>
-              <a:rPr lang="en-US" sz="1600" dirty="0"/>
+              <a:rPr lang="en-US" dirty="0"/>
               <a:t>(</a:t>
             </a:r>
             <a:r>
-              <a:rPr lang="en-US" sz="1600" dirty="0" err="1"/>
+              <a:rPr lang="en-US" dirty="0" err="1"/>
               <a:t>fmla,family</a:t>
             </a:r>
             <a:r>
-              <a:rPr lang="en-US" sz="1600" dirty="0"/>
+              <a:rPr lang="en-US" dirty="0"/>
               <a:t>=binomial(link="logit"), data=</a:t>
             </a:r>
             <a:r>
-              <a:rPr lang="en-US" sz="1600" dirty="0" err="1"/>
+              <a:rPr lang="en-US" dirty="0" err="1"/>
               <a:t>X_train</a:t>
             </a:r>
             <a:r>
-              <a:rPr lang="en-US" sz="1600" dirty="0"/>
+              <a:rPr lang="en-US" dirty="0"/>
               <a:t>)</a:t>
             </a:r>
           </a:p>
           <a:p>
             <a:r>
-              <a:rPr lang="en-US" sz="1600" dirty="0"/>
+              <a:rPr lang="en-US" dirty="0"/>
               <a:t>  #  model = </a:t>
             </a:r>
             <a:r>
-              <a:rPr lang="en-US" sz="1600" dirty="0" err="1"/>
+              <a:rPr lang="en-US" dirty="0" err="1"/>
               <a:t>lm</a:t>
             </a:r>
             <a:r>
-              <a:rPr lang="en-US" sz="1600" dirty="0"/>
+              <a:rPr lang="en-US" dirty="0"/>
               <a:t>(</a:t>
             </a:r>
             <a:r>
-              <a:rPr lang="en-US" sz="1600" dirty="0" err="1"/>
+              <a:rPr lang="en-US" dirty="0" err="1"/>
               <a:t>fmla</a:t>
             </a:r>
             <a:r>
-              <a:rPr lang="en-US" sz="1600" dirty="0"/>
+              <a:rPr lang="en-US" dirty="0"/>
               <a:t>, data=</a:t>
             </a:r>
             <a:r>
-              <a:rPr lang="en-US" sz="1600" dirty="0" err="1"/>
+              <a:rPr lang="en-US" dirty="0" err="1"/>
               <a:t>X_train</a:t>
             </a:r>
             <a:r>
-              <a:rPr lang="en-US" sz="1600" dirty="0"/>
+              <a:rPr lang="en-US" dirty="0"/>
               <a:t>)</a:t>
             </a:r>
           </a:p>
           <a:p>
             <a:r>
-              <a:rPr lang="en-US" sz="1600" dirty="0"/>
+              <a:rPr lang="en-US" dirty="0"/>
               <a:t>    p = predict(model, </a:t>
             </a:r>
             <a:r>
-              <a:rPr lang="en-US" sz="1600" dirty="0" err="1"/>
+              <a:rPr lang="en-US" dirty="0" err="1"/>
               <a:t>newdata</a:t>
             </a:r>
             <a:r>
-              <a:rPr lang="en-US" sz="1600" dirty="0"/>
+              <a:rPr lang="en-US" dirty="0"/>
               <a:t>=</a:t>
             </a:r>
             <a:r>
-              <a:rPr lang="en-US" sz="1600" dirty="0" err="1"/>
+              <a:rPr lang="en-US" dirty="0" err="1"/>
               <a:t>X_test,type</a:t>
             </a:r>
             <a:r>
-              <a:rPr lang="en-US" sz="1600" dirty="0"/>
+              <a:rPr lang="en-US" dirty="0"/>
               <a:t>="response")</a:t>
             </a:r>
           </a:p>
           <a:p>
             <a:r>
-              <a:rPr lang="en-US" sz="1600" dirty="0"/>
+              <a:rPr lang="en-US" dirty="0"/>
               <a:t>   </a:t>
             </a:r>
           </a:p>
           <a:p>
             <a:r>
-              <a:rPr lang="en-US" sz="1600" dirty="0"/>
+              <a:rPr lang="en-US" dirty="0"/>
               <a:t>     </a:t>
             </a:r>
             <a:r>
-              <a:rPr lang="en-US" sz="1600" dirty="0" err="1"/>
+              <a:rPr lang="en-US" dirty="0" err="1"/>
               <a:t>Error_LogReg_merge</a:t>
             </a:r>
             <a:r>
-              <a:rPr lang="en-US" sz="1600" dirty="0"/>
+              <a:rPr lang="en-US" dirty="0"/>
               <a:t>[k] = (round(p,0)==</a:t>
             </a:r>
             <a:r>
-              <a:rPr lang="en-US" sz="1600" dirty="0" err="1"/>
+              <a:rPr lang="en-US" dirty="0" err="1"/>
               <a:t>y_test</a:t>
             </a:r>
             <a:r>
-              <a:rPr lang="en-US" sz="1600" dirty="0"/>
+              <a:rPr lang="en-US" dirty="0"/>
               <a:t>)</a:t>
             </a:r>
           </a:p>
           <a:p>
             <a:r>
-              <a:rPr lang="en-US" sz="1600" dirty="0"/>
+              <a:rPr lang="en-US" dirty="0"/>
               <a:t>}</a:t>
             </a:r>
           </a:p>
